--- a/Varians-PPT/V4顶边白底进度4-3.pptx
+++ b/Varians-PPT/V4顶边白底进度4-3.pptx
@@ -234,7 +234,7 @@
           <a:p>
             <a:fld id="{C7378BE1-6631-4949-8C98-982027D3EA0E}" type="datetimeFigureOut">
               <a:rPr kumimoji="1" lang="zh-CN" altLang="en-US" smtClean="0"/>
-              <a:t>2026/1/14</a:t>
+              <a:t>2026/1/18</a:t>
             </a:fld>
             <a:endParaRPr kumimoji="1" lang="zh-CN" altLang="en-US"/>
           </a:p>
@@ -411,7 +411,7 @@
           <a:p>
             <a:fld id="{E4D1EF07-2BC7-484D-96C8-78615E03CCA1}" type="datetimeFigureOut">
               <a:rPr kumimoji="1" lang="zh-CN" altLang="en-US" smtClean="0"/>
-              <a:t>2026/1/14</a:t>
+              <a:t>2026/1/18</a:t>
             </a:fld>
             <a:endParaRPr kumimoji="1" lang="zh-CN" altLang="en-US"/>
           </a:p>
@@ -1386,7 +1386,7 @@
             <a:fld id="{E4551058-E5DB-324A-A8E9-6D3BEF243C3B}" type="datetimeFigureOut">
               <a:rPr kumimoji="1" lang="zh-CN" altLang="en-US" sz="1400" smtClean="0"/>
               <a:pPr algn="ctr"/>
-              <a:t>2026/1/14</a:t>
+              <a:t>2026/1/18</a:t>
             </a:fld>
             <a:endParaRPr kumimoji="1" lang="zh-CN" altLang="en-US" sz="1400" dirty="0"/>
           </a:p>
@@ -1539,7 +1539,7 @@
           <a:p>
             <a:fld id="{E4551058-E5DB-324A-A8E9-6D3BEF243C3B}" type="datetimeFigureOut">
               <a:rPr kumimoji="1" lang="zh-CN" altLang="en-US" smtClean="0"/>
-              <a:t>2026/1/14</a:t>
+              <a:t>2026/1/18</a:t>
             </a:fld>
             <a:endParaRPr kumimoji="1" lang="zh-CN" altLang="en-US"/>
           </a:p>
@@ -2213,7 +2213,7 @@
                 </a:solidFill>
               </a:rPr>
               <a:pPr/>
-              <a:t>2026/1/14</a:t>
+              <a:t>2026/1/18</a:t>
             </a:fld>
             <a:endParaRPr kumimoji="1" lang="zh-CN" altLang="en-US" sz="1050" dirty="0">
               <a:solidFill>
@@ -2558,7 +2558,7 @@
           <a:p>
             <a:fld id="{E4551058-E5DB-324A-A8E9-6D3BEF243C3B}" type="datetimeFigureOut">
               <a:rPr kumimoji="1" lang="zh-CN" altLang="en-US" smtClean="0"/>
-              <a:t>2026/1/14</a:t>
+              <a:t>2026/1/18</a:t>
             </a:fld>
             <a:endParaRPr kumimoji="1" lang="zh-CN" altLang="en-US"/>
           </a:p>
@@ -3591,7 +3591,7 @@
           <a:p>
             <a:fld id="{E4551058-E5DB-324A-A8E9-6D3BEF243C3B}" type="datetimeFigureOut">
               <a:rPr kumimoji="1" lang="zh-CN" altLang="en-US" smtClean="0"/>
-              <a:t>2026/1/14</a:t>
+              <a:t>2026/1/18</a:t>
             </a:fld>
             <a:endParaRPr kumimoji="1" lang="zh-CN" altLang="en-US"/>
           </a:p>
@@ -4680,7 +4680,7 @@
           <a:p>
             <a:fld id="{E4551058-E5DB-324A-A8E9-6D3BEF243C3B}" type="datetimeFigureOut">
               <a:rPr kumimoji="1" lang="zh-CN" altLang="en-US" smtClean="0"/>
-              <a:t>2026/1/14</a:t>
+              <a:t>2026/1/18</a:t>
             </a:fld>
             <a:endParaRPr kumimoji="1" lang="zh-CN" altLang="en-US"/>
           </a:p>
@@ -5769,7 +5769,7 @@
           <a:p>
             <a:fld id="{E4551058-E5DB-324A-A8E9-6D3BEF243C3B}" type="datetimeFigureOut">
               <a:rPr kumimoji="1" lang="zh-CN" altLang="en-US" smtClean="0"/>
-              <a:t>2026/1/14</a:t>
+              <a:t>2026/1/18</a:t>
             </a:fld>
             <a:endParaRPr kumimoji="1" lang="zh-CN" altLang="en-US"/>
           </a:p>
@@ -6862,7 +6862,7 @@
           <a:p>
             <a:fld id="{E4551058-E5DB-324A-A8E9-6D3BEF243C3B}" type="datetimeFigureOut">
               <a:rPr kumimoji="1" lang="zh-CN" altLang="en-US" smtClean="0"/>
-              <a:t>2026/1/14</a:t>
+              <a:t>2026/1/18</a:t>
             </a:fld>
             <a:endParaRPr kumimoji="1" lang="zh-CN" altLang="en-US"/>
           </a:p>
@@ -8039,7 +8039,7 @@
           <a:p>
             <a:fld id="{E4551058-E5DB-324A-A8E9-6D3BEF243C3B}" type="datetimeFigureOut">
               <a:rPr kumimoji="1" lang="zh-CN" altLang="en-US" smtClean="0"/>
-              <a:t>2026/1/14</a:t>
+              <a:t>2026/1/18</a:t>
             </a:fld>
             <a:endParaRPr kumimoji="1" lang="zh-CN" altLang="en-US"/>
           </a:p>
@@ -8404,7 +8404,7 @@
                 </a:solidFill>
               </a:rPr>
               <a:pPr/>
-              <a:t>2026/1/14</a:t>
+              <a:t>2026/1/18</a:t>
             </a:fld>
             <a:endParaRPr kumimoji="1" lang="zh-CN" altLang="en-US" sz="1050" dirty="0">
               <a:solidFill>
@@ -9111,7 +9111,7 @@
           <a:p>
             <a:r>
               <a:rPr lang="en-US" altLang="zh-CN" dirty="0"/>
-              <a:t>2023</a:t>
+              <a:t>2026</a:t>
             </a:r>
             <a:r>
               <a:rPr lang="zh-CN" altLang="en-US" dirty="0"/>
@@ -9119,7 +9119,7 @@
             </a:r>
             <a:r>
               <a:rPr lang="en-US" altLang="zh-CN" dirty="0"/>
-              <a:t>11</a:t>
+              <a:t>1</a:t>
             </a:r>
             <a:r>
               <a:rPr lang="zh-CN" altLang="en-US" dirty="0"/>
@@ -9127,7 +9127,7 @@
             </a:r>
             <a:r>
               <a:rPr lang="en-US" altLang="zh-CN" dirty="0"/>
-              <a:t>2</a:t>
+              <a:t>18</a:t>
             </a:r>
             <a:r>
               <a:rPr lang="zh-CN" altLang="en-US" dirty="0"/>
